--- a/ゲーム ポスター.pptx
+++ b/ゲーム ポスター.pptx
@@ -105,6 +105,11 @@
       </a:defRPr>
     </a:lvl9pPr>
   </p:defaultTextStyle>
+  <p:extLst>
+    <p:ext uri="{EFAFB233-063F-42B5-8137-9DF3F51BA10A}">
+      <p15:sldGuideLst xmlns:p15="http://schemas.microsoft.com/office/powerpoint/2012/main"/>
+    </p:ext>
+  </p:extLst>
 </p:presentation>
 </file>
 
@@ -255,7 +260,7 @@
           <a:p>
             <a:fld id="{D511F6A9-D6DB-40CC-8207-421A0CA6368C}" type="datetimeFigureOut">
               <a:rPr kumimoji="1" lang="ja-JP" altLang="en-US" smtClean="0"/>
-              <a:t>2020/1/22</a:t>
+              <a:t>2020/1/23</a:t>
             </a:fld>
             <a:endParaRPr kumimoji="1" lang="ja-JP" altLang="en-US"/>
           </a:p>
@@ -485,7 +490,7 @@
           <a:p>
             <a:fld id="{D511F6A9-D6DB-40CC-8207-421A0CA6368C}" type="datetimeFigureOut">
               <a:rPr kumimoji="1" lang="ja-JP" altLang="en-US" smtClean="0"/>
-              <a:t>2020/1/22</a:t>
+              <a:t>2020/1/23</a:t>
             </a:fld>
             <a:endParaRPr kumimoji="1" lang="ja-JP" altLang="en-US"/>
           </a:p>
@@ -725,7 +730,7 @@
           <a:p>
             <a:fld id="{D511F6A9-D6DB-40CC-8207-421A0CA6368C}" type="datetimeFigureOut">
               <a:rPr kumimoji="1" lang="ja-JP" altLang="en-US" smtClean="0"/>
-              <a:t>2020/1/22</a:t>
+              <a:t>2020/1/23</a:t>
             </a:fld>
             <a:endParaRPr kumimoji="1" lang="ja-JP" altLang="en-US"/>
           </a:p>
@@ -955,7 +960,7 @@
           <a:p>
             <a:fld id="{D511F6A9-D6DB-40CC-8207-421A0CA6368C}" type="datetimeFigureOut">
               <a:rPr kumimoji="1" lang="ja-JP" altLang="en-US" smtClean="0"/>
-              <a:t>2020/1/22</a:t>
+              <a:t>2020/1/23</a:t>
             </a:fld>
             <a:endParaRPr kumimoji="1" lang="ja-JP" altLang="en-US"/>
           </a:p>
@@ -1230,7 +1235,7 @@
           <a:p>
             <a:fld id="{D511F6A9-D6DB-40CC-8207-421A0CA6368C}" type="datetimeFigureOut">
               <a:rPr kumimoji="1" lang="ja-JP" altLang="en-US" smtClean="0"/>
-              <a:t>2020/1/22</a:t>
+              <a:t>2020/1/23</a:t>
             </a:fld>
             <a:endParaRPr kumimoji="1" lang="ja-JP" altLang="en-US"/>
           </a:p>
@@ -1559,7 +1564,7 @@
           <a:p>
             <a:fld id="{D511F6A9-D6DB-40CC-8207-421A0CA6368C}" type="datetimeFigureOut">
               <a:rPr kumimoji="1" lang="ja-JP" altLang="en-US" smtClean="0"/>
-              <a:t>2020/1/22</a:t>
+              <a:t>2020/1/23</a:t>
             </a:fld>
             <a:endParaRPr kumimoji="1" lang="ja-JP" altLang="en-US"/>
           </a:p>
@@ -2035,7 +2040,7 @@
           <a:p>
             <a:fld id="{D511F6A9-D6DB-40CC-8207-421A0CA6368C}" type="datetimeFigureOut">
               <a:rPr kumimoji="1" lang="ja-JP" altLang="en-US" smtClean="0"/>
-              <a:t>2020/1/22</a:t>
+              <a:t>2020/1/23</a:t>
             </a:fld>
             <a:endParaRPr kumimoji="1" lang="ja-JP" altLang="en-US"/>
           </a:p>
@@ -2176,7 +2181,7 @@
           <a:p>
             <a:fld id="{D511F6A9-D6DB-40CC-8207-421A0CA6368C}" type="datetimeFigureOut">
               <a:rPr kumimoji="1" lang="ja-JP" altLang="en-US" smtClean="0"/>
-              <a:t>2020/1/22</a:t>
+              <a:t>2020/1/23</a:t>
             </a:fld>
             <a:endParaRPr kumimoji="1" lang="ja-JP" altLang="en-US"/>
           </a:p>
@@ -2289,7 +2294,7 @@
           <a:p>
             <a:fld id="{D511F6A9-D6DB-40CC-8207-421A0CA6368C}" type="datetimeFigureOut">
               <a:rPr kumimoji="1" lang="ja-JP" altLang="en-US" smtClean="0"/>
-              <a:t>2020/1/22</a:t>
+              <a:t>2020/1/23</a:t>
             </a:fld>
             <a:endParaRPr kumimoji="1" lang="ja-JP" altLang="en-US"/>
           </a:p>
@@ -2632,7 +2637,7 @@
           <a:p>
             <a:fld id="{D511F6A9-D6DB-40CC-8207-421A0CA6368C}" type="datetimeFigureOut">
               <a:rPr kumimoji="1" lang="ja-JP" altLang="en-US" smtClean="0"/>
-              <a:t>2020/1/22</a:t>
+              <a:t>2020/1/23</a:t>
             </a:fld>
             <a:endParaRPr kumimoji="1" lang="ja-JP" altLang="en-US"/>
           </a:p>
@@ -2920,7 +2925,7 @@
           <a:p>
             <a:fld id="{D511F6A9-D6DB-40CC-8207-421A0CA6368C}" type="datetimeFigureOut">
               <a:rPr kumimoji="1" lang="ja-JP" altLang="en-US" smtClean="0"/>
-              <a:t>2020/1/22</a:t>
+              <a:t>2020/1/23</a:t>
             </a:fld>
             <a:endParaRPr kumimoji="1" lang="ja-JP" altLang="en-US"/>
           </a:p>
@@ -3193,7 +3198,7 @@
           <a:p>
             <a:fld id="{D511F6A9-D6DB-40CC-8207-421A0CA6368C}" type="datetimeFigureOut">
               <a:rPr kumimoji="1" lang="ja-JP" altLang="en-US" smtClean="0"/>
-              <a:t>2020/1/22</a:t>
+              <a:t>2020/1/23</a:t>
             </a:fld>
             <a:endParaRPr kumimoji="1" lang="ja-JP" altLang="en-US"/>
           </a:p>
@@ -3835,7 +3840,7 @@
             </a:ln>
             <a:effectLst>
               <a:outerShdw blurRad="381000" dist="292100" dir="5400000" sx="-80000" sy="-18000" rotWithShape="0">
-                <a:srgbClr val="000000">
+                <a:srgbClr val="FF0000">
                   <a:alpha val="22000"/>
                 </a:srgbClr>
               </a:outerShdw>

--- a/ゲーム ポスター.pptx
+++ b/ゲーム ポスター.pptx
@@ -6,7 +6,6 @@
   </p:sldMasterIdLst>
   <p:sldIdLst>
     <p:sldId id="260" r:id="rId2"/>
-    <p:sldId id="262" r:id="rId3"/>
   </p:sldIdLst>
   <p:sldSz cx="12192000" cy="6858000"/>
   <p:notesSz cx="6858000" cy="9144000"/>
@@ -3928,336 +3927,6 @@
 </p:sld>
 </file>
 
-<file path=ppt/slides/slide2.xml><?xml version="1.0" encoding="utf-8"?>
-<p:sld xmlns:a="http://schemas.openxmlformats.org/drawingml/2006/main" xmlns:r="http://schemas.openxmlformats.org/officeDocument/2006/relationships" xmlns:p="http://schemas.openxmlformats.org/presentationml/2006/main">
-  <p:cSld>
-    <p:bg>
-      <p:bgPr>
-        <a:solidFill>
-          <a:srgbClr val="FF0000"/>
-        </a:solidFill>
-        <a:effectLst/>
-      </p:bgPr>
-    </p:bg>
-    <p:spTree>
-      <p:nvGrpSpPr>
-        <p:cNvPr id="1" name=""/>
-        <p:cNvGrpSpPr/>
-        <p:nvPr/>
-      </p:nvGrpSpPr>
-      <p:grpSpPr>
-        <a:xfrm>
-          <a:off x="0" y="0"/>
-          <a:ext cx="0" cy="0"/>
-          <a:chOff x="0" y="0"/>
-          <a:chExt cx="0" cy="0"/>
-        </a:xfrm>
-      </p:grpSpPr>
-      <p:pic>
-        <p:nvPicPr>
-          <p:cNvPr id="6" name="図 5" descr="光, 交通, 暗い, 停止 が含まれている画像&#10;&#10;自動的に生成された説明">
-            <a:extLst>
-              <a:ext uri="{FF2B5EF4-FFF2-40B4-BE49-F238E27FC236}">
-                <a16:creationId xmlns:a16="http://schemas.microsoft.com/office/drawing/2014/main" id="{730FF156-E425-4FE0-BD60-652A86633EFA}"/>
-              </a:ext>
-            </a:extLst>
-          </p:cNvPr>
-          <p:cNvPicPr>
-            <a:picLocks noChangeAspect="1"/>
-          </p:cNvPicPr>
-          <p:nvPr/>
-        </p:nvPicPr>
-        <p:blipFill>
-          <a:blip r:embed="rId2"/>
-          <a:stretch>
-            <a:fillRect/>
-          </a:stretch>
-        </p:blipFill>
-        <p:spPr>
-          <a:xfrm>
-            <a:off x="4058267" y="2762054"/>
-            <a:ext cx="4075465" cy="4095946"/>
-          </a:xfrm>
-          <a:prstGeom prst="rect">
-            <a:avLst/>
-          </a:prstGeom>
-        </p:spPr>
-      </p:pic>
-      <p:sp>
-        <p:nvSpPr>
-          <p:cNvPr id="7" name="TextBox 2">
-            <a:extLst>
-              <a:ext uri="{FF2B5EF4-FFF2-40B4-BE49-F238E27FC236}">
-                <a16:creationId xmlns:a16="http://schemas.microsoft.com/office/drawing/2014/main" id="{6B0685BB-110D-4245-AB37-22DACC557749}"/>
-              </a:ext>
-            </a:extLst>
-          </p:cNvPr>
-          <p:cNvSpPr txBox="1"/>
-          <p:nvPr/>
-        </p:nvSpPr>
-        <p:spPr>
-          <a:xfrm>
-            <a:off x="8784259" y="4824549"/>
-            <a:ext cx="4842668" cy="1015663"/>
-          </a:xfrm>
-          <a:prstGeom prst="rect">
-            <a:avLst/>
-          </a:prstGeom>
-          <a:noFill/>
-        </p:spPr>
-        <p:txBody>
-          <a:bodyPr wrap="square" rtlCol="0" anchor="t">
-            <a:spAutoFit/>
-          </a:bodyPr>
-          <a:lstStyle/>
-          <a:p>
-            <a:r>
-              <a:rPr kumimoji="0" lang="en-US" sz="6000" dirty="0">
-                <a:solidFill>
-                  <a:srgbClr val="FFFF00"/>
-                </a:solidFill>
-                <a:latin typeface="Times New Roman" panose="02020603050405020304" pitchFamily="18" charset="0"/>
-                <a:ea typeface="BatangChe" panose="020B0503020000020004" pitchFamily="49" charset="-127"/>
-                <a:cs typeface="Times New Roman" panose="02020603050405020304" pitchFamily="18" charset="0"/>
-              </a:rPr>
-              <a:t>AGENT 3</a:t>
-            </a:r>
-          </a:p>
-        </p:txBody>
-      </p:sp>
-      <p:sp>
-        <p:nvSpPr>
-          <p:cNvPr id="8" name="テキスト ボックス 7">
-            <a:extLst>
-              <a:ext uri="{FF2B5EF4-FFF2-40B4-BE49-F238E27FC236}">
-                <a16:creationId xmlns:a16="http://schemas.microsoft.com/office/drawing/2014/main" id="{C9657727-5A3D-48E0-A64D-AF4C550CFC37}"/>
-              </a:ext>
-            </a:extLst>
-          </p:cNvPr>
-          <p:cNvSpPr txBox="1"/>
-          <p:nvPr/>
-        </p:nvSpPr>
-        <p:spPr>
-          <a:xfrm>
-            <a:off x="8784259" y="5609379"/>
-            <a:ext cx="3217547" cy="461665"/>
-          </a:xfrm>
-          <a:prstGeom prst="rect">
-            <a:avLst/>
-          </a:prstGeom>
-          <a:noFill/>
-        </p:spPr>
-        <p:txBody>
-          <a:bodyPr wrap="none" rtlCol="0">
-            <a:spAutoFit/>
-          </a:bodyPr>
-          <a:lstStyle/>
-          <a:p>
-            <a:r>
-              <a:rPr kumimoji="1" lang="ja-JP" altLang="en-US" sz="2400" b="1" dirty="0">
-                <a:solidFill>
-                  <a:schemeClr val="bg1"/>
-                </a:solidFill>
-                <a:latin typeface="HGP創英ﾌﾟﾚｾﾞﾝｽEB" panose="02020800000000000000" pitchFamily="18" charset="-128"/>
-                <a:ea typeface="HGP創英ﾌﾟﾚｾﾞﾝｽEB" panose="02020800000000000000" pitchFamily="18" charset="-128"/>
-              </a:rPr>
-              <a:t>協力なしでは出られない</a:t>
-            </a:r>
-          </a:p>
-        </p:txBody>
-      </p:sp>
-      <p:sp>
-        <p:nvSpPr>
-          <p:cNvPr id="3" name="テキスト ボックス 2">
-            <a:extLst>
-              <a:ext uri="{FF2B5EF4-FFF2-40B4-BE49-F238E27FC236}">
-                <a16:creationId xmlns:a16="http://schemas.microsoft.com/office/drawing/2014/main" id="{98225998-8C96-4CCF-B990-613B585FA77F}"/>
-              </a:ext>
-            </a:extLst>
-          </p:cNvPr>
-          <p:cNvSpPr txBox="1"/>
-          <p:nvPr/>
-        </p:nvSpPr>
-        <p:spPr>
-          <a:xfrm>
-            <a:off x="10709158" y="6488668"/>
-            <a:ext cx="1482842" cy="369332"/>
-          </a:xfrm>
-          <a:prstGeom prst="rect">
-            <a:avLst/>
-          </a:prstGeom>
-        </p:spPr>
-        <p:style>
-          <a:lnRef idx="2">
-            <a:schemeClr val="dk1">
-              <a:shade val="50000"/>
-            </a:schemeClr>
-          </a:lnRef>
-          <a:fillRef idx="1">
-            <a:schemeClr val="dk1"/>
-          </a:fillRef>
-          <a:effectRef idx="0">
-            <a:schemeClr val="dk1"/>
-          </a:effectRef>
-          <a:fontRef idx="minor">
-            <a:schemeClr val="lt1"/>
-          </a:fontRef>
-        </p:style>
-        <p:txBody>
-          <a:bodyPr wrap="square" rtlCol="0">
-            <a:spAutoFit/>
-          </a:bodyPr>
-          <a:lstStyle/>
-          <a:p>
-            <a:r>
-              <a:rPr lang="en-US" altLang="ja-JP" dirty="0">
-                <a:latin typeface="Bodoni MT Black" panose="02070A03080606020203" pitchFamily="18" charset="0"/>
-              </a:rPr>
-              <a:t>GROUP 28</a:t>
-            </a:r>
-            <a:endParaRPr kumimoji="1" lang="ja-JP" altLang="en-US" dirty="0">
-              <a:latin typeface="Bodoni MT Black" panose="02070A03080606020203" pitchFamily="18" charset="0"/>
-            </a:endParaRPr>
-          </a:p>
-        </p:txBody>
-      </p:sp>
-      <p:grpSp>
-        <p:nvGrpSpPr>
-          <p:cNvPr id="10" name="グループ化 9">
-            <a:extLst>
-              <a:ext uri="{FF2B5EF4-FFF2-40B4-BE49-F238E27FC236}">
-                <a16:creationId xmlns:a16="http://schemas.microsoft.com/office/drawing/2014/main" id="{0493CC2C-B246-4B5B-9715-9C7B7DE0FBE6}"/>
-              </a:ext>
-            </a:extLst>
-          </p:cNvPr>
-          <p:cNvGrpSpPr/>
-          <p:nvPr/>
-        </p:nvGrpSpPr>
-        <p:grpSpPr>
-          <a:xfrm>
-            <a:off x="6772525" y="98799"/>
-            <a:ext cx="3144474" cy="3146893"/>
-            <a:chOff x="6975337" y="271119"/>
-            <a:chExt cx="3765737" cy="3768634"/>
-          </a:xfrm>
-        </p:grpSpPr>
-        <p:pic>
-          <p:nvPicPr>
-            <p:cNvPr id="11" name="図 10" descr="黒い背景と白い文字&#10;&#10;自動的に生成された説明">
-              <a:extLst>
-                <a:ext uri="{FF2B5EF4-FFF2-40B4-BE49-F238E27FC236}">
-                  <a16:creationId xmlns:a16="http://schemas.microsoft.com/office/drawing/2014/main" id="{58AC182B-F2CB-442E-8FCB-41E959185627}"/>
-                </a:ext>
-              </a:extLst>
-            </p:cNvPr>
-            <p:cNvPicPr>
-              <a:picLocks noChangeAspect="1"/>
-            </p:cNvPicPr>
-            <p:nvPr/>
-          </p:nvPicPr>
-          <p:blipFill>
-            <a:blip r:embed="rId3">
-              <a:extLst>
-                <a:ext uri="{28A0092B-C50C-407E-A947-70E740481C1C}">
-                  <a14:useLocalDpi xmlns:a14="http://schemas.microsoft.com/office/drawing/2010/main" val="0"/>
-                </a:ext>
-              </a:extLst>
-            </a:blip>
-            <a:stretch>
-              <a:fillRect/>
-            </a:stretch>
-          </p:blipFill>
-          <p:spPr>
-            <a:xfrm>
-              <a:off x="6975337" y="271119"/>
-              <a:ext cx="3765737" cy="3768634"/>
-            </a:xfrm>
-            <a:prstGeom prst="rect">
-              <a:avLst/>
-            </a:prstGeom>
-            <a:effectLst>
-              <a:outerShdw dir="5400000" algn="ctr" rotWithShape="0">
-                <a:srgbClr val="000000">
-                  <a:alpha val="0"/>
-                </a:srgbClr>
-              </a:outerShdw>
-              <a:softEdge rad="0"/>
-            </a:effectLst>
-          </p:spPr>
-        </p:pic>
-        <p:pic>
-          <p:nvPicPr>
-            <p:cNvPr id="12" name="図 11" descr="コンピュータ, 記号, 時計 が含まれている画像&#10;&#10;自動的に生成された説明">
-              <a:extLst>
-                <a:ext uri="{FF2B5EF4-FFF2-40B4-BE49-F238E27FC236}">
-                  <a16:creationId xmlns:a16="http://schemas.microsoft.com/office/drawing/2014/main" id="{5947E175-7083-4697-B18D-3BA7E5C7C8F4}"/>
-                </a:ext>
-              </a:extLst>
-            </p:cNvPr>
-            <p:cNvPicPr>
-              <a:picLocks noChangeAspect="1"/>
-            </p:cNvPicPr>
-            <p:nvPr/>
-          </p:nvPicPr>
-          <p:blipFill rotWithShape="1">
-            <a:blip r:embed="rId4">
-              <a:extLst>
-                <a:ext uri="{28A0092B-C50C-407E-A947-70E740481C1C}">
-                  <a14:useLocalDpi xmlns:a14="http://schemas.microsoft.com/office/drawing/2010/main" val="0"/>
-                </a:ext>
-              </a:extLst>
-            </a:blip>
-            <a:srcRect l="16675" t="8156" r="16844" b="2912"/>
-            <a:stretch/>
-          </p:blipFill>
-          <p:spPr>
-            <a:xfrm>
-              <a:off x="7760888" y="514802"/>
-              <a:ext cx="2194633" cy="1651383"/>
-            </a:xfrm>
-            <a:prstGeom prst="ellipse">
-              <a:avLst/>
-            </a:prstGeom>
-            <a:ln w="63500" cap="rnd">
-              <a:solidFill>
-                <a:schemeClr val="tx1"/>
-              </a:solidFill>
-            </a:ln>
-            <a:effectLst>
-              <a:outerShdw blurRad="381000" dist="292100" dir="5400000" sx="-80000" sy="-18000" rotWithShape="0">
-                <a:srgbClr val="000000">
-                  <a:alpha val="22000"/>
-                </a:srgbClr>
-              </a:outerShdw>
-            </a:effectLst>
-            <a:scene3d>
-              <a:camera prst="orthographicFront"/>
-              <a:lightRig rig="contrasting" dir="t">
-                <a:rot lat="0" lon="0" rev="3000000"/>
-              </a:lightRig>
-            </a:scene3d>
-            <a:sp3d contourW="7620">
-              <a:bevelT w="95250" h="31750"/>
-              <a:contourClr>
-                <a:schemeClr val="tx1"/>
-              </a:contourClr>
-            </a:sp3d>
-          </p:spPr>
-        </p:pic>
-      </p:grpSp>
-    </p:spTree>
-    <p:extLst>
-      <p:ext uri="{BB962C8B-B14F-4D97-AF65-F5344CB8AC3E}">
-        <p14:creationId xmlns:p14="http://schemas.microsoft.com/office/powerpoint/2010/main" val="4028827528"/>
-      </p:ext>
-    </p:extLst>
-  </p:cSld>
-  <p:clrMapOvr>
-    <a:masterClrMapping/>
-  </p:clrMapOvr>
-</p:sld>
-</file>
-
 <file path=ppt/theme/theme1.xml><?xml version="1.0" encoding="utf-8"?>
 <a:theme xmlns:a="http://schemas.openxmlformats.org/drawingml/2006/main" name="Office テーマ">
   <a:themeElements>
